--- a/lectures/welcome.pptx
+++ b/lectures/welcome.pptx
@@ -25,8 +25,8 @@
     <p:sldId id="316" r:id="rId19"/>
     <p:sldId id="318" r:id="rId20"/>
     <p:sldId id="319" r:id="rId21"/>
-    <p:sldId id="339" r:id="rId22"/>
-    <p:sldId id="322" r:id="rId23"/>
+    <p:sldId id="322" r:id="rId22"/>
+    <p:sldId id="339" r:id="rId23"/>
     <p:sldId id="320" r:id="rId24"/>
     <p:sldId id="321" r:id="rId25"/>
     <p:sldId id="323" r:id="rId26"/>
@@ -221,7 +221,7 @@
           <a:p>
             <a:fld id="{06D9BAD4-217A-4457-99A5-1DFDC0061413}" type="datetimeFigureOut">
               <a:rPr lang="en-US" smtClean="0"/>
-              <a:t>1/25/2023</a:t>
+              <a:t>1/26/2023</a:t>
             </a:fld>
             <a:endParaRPr lang="en-US"/>
           </a:p>
@@ -653,7 +653,7 @@
           <a:p>
             <a:fld id="{419C6F4C-1793-4CB4-8375-FF28CE4DE4D7}" type="slidenum">
               <a:rPr lang="en-US" smtClean="0"/>
-              <a:t>18</a:t>
+              <a:t>19</a:t>
             </a:fld>
             <a:endParaRPr lang="en-US"/>
           </a:p>
@@ -1173,7 +1173,7 @@
           <a:p>
             <a:fld id="{EA0C0817-A112-4847-8014-A94B7D2A4EA3}" type="datetime1">
               <a:rPr lang="en-US" smtClean="0"/>
-              <a:t>1/25/2023</a:t>
+              <a:t>1/26/2023</a:t>
             </a:fld>
             <a:endParaRPr lang="en-US" dirty="0"/>
           </a:p>
@@ -1375,7 +1375,7 @@
           <a:p>
             <a:fld id="{134F40B7-36AB-4376-BE14-EF7004D79BB9}" type="datetime1">
               <a:rPr lang="en-US" smtClean="0"/>
-              <a:t>1/25/2023</a:t>
+              <a:t>1/26/2023</a:t>
             </a:fld>
             <a:endParaRPr lang="en-US" dirty="0"/>
           </a:p>
@@ -1555,7 +1555,7 @@
           <a:p>
             <a:fld id="{FF87CAB8-DCAE-46A5-AADA-B3FAD11A54E0}" type="datetime1">
               <a:rPr lang="en-US" smtClean="0"/>
-              <a:t>1/25/2023</a:t>
+              <a:t>1/26/2023</a:t>
             </a:fld>
             <a:endParaRPr lang="en-US" dirty="0"/>
           </a:p>
@@ -1725,7 +1725,7 @@
           <a:p>
             <a:fld id="{7332B432-ACDA-4023-A761-2BAB76577B62}" type="datetime1">
               <a:rPr lang="en-US" smtClean="0"/>
-              <a:t>1/25/2023</a:t>
+              <a:t>1/26/2023</a:t>
             </a:fld>
             <a:endParaRPr lang="en-US" dirty="0"/>
           </a:p>
@@ -2324,7 +2324,7 @@
           <a:p>
             <a:fld id="{D9C646AA-F36E-4540-911D-FFFC0A0EF24A}" type="datetime1">
               <a:rPr lang="en-US" smtClean="0"/>
-              <a:t>1/25/2023</a:t>
+              <a:t>1/26/2023</a:t>
             </a:fld>
             <a:endParaRPr lang="en-US" dirty="0"/>
           </a:p>
@@ -2644,7 +2644,7 @@
           <a:p>
             <a:fld id="{69186D26-FA5F-4637-B602-B7C2DC34CFD4}" type="datetime1">
               <a:rPr lang="en-US" smtClean="0"/>
-              <a:t>1/25/2023</a:t>
+              <a:t>1/26/2023</a:t>
             </a:fld>
             <a:endParaRPr lang="en-US" dirty="0"/>
           </a:p>
@@ -3081,7 +3081,7 @@
           <a:p>
             <a:fld id="{8A7F15D8-96D1-4781-BC50-CA8A088B2FE4}" type="datetime1">
               <a:rPr lang="en-US" smtClean="0"/>
-              <a:t>1/25/2023</a:t>
+              <a:t>1/26/2023</a:t>
             </a:fld>
             <a:endParaRPr lang="en-US" dirty="0"/>
           </a:p>
@@ -3199,7 +3199,7 @@
           <a:p>
             <a:fld id="{F9A96C99-B8F8-4528-BD05-0E16E943DC09}" type="datetime1">
               <a:rPr lang="en-US" smtClean="0"/>
-              <a:t>1/25/2023</a:t>
+              <a:t>1/26/2023</a:t>
             </a:fld>
             <a:endParaRPr lang="en-US" dirty="0"/>
           </a:p>
@@ -3294,7 +3294,7 @@
           <a:p>
             <a:fld id="{03636942-C211-4B28-8DBD-C953E00AF71B}" type="datetime1">
               <a:rPr lang="en-US" smtClean="0"/>
-              <a:t>1/25/2023</a:t>
+              <a:t>1/26/2023</a:t>
             </a:fld>
             <a:endParaRPr lang="en-US" dirty="0"/>
           </a:p>
@@ -3711,7 +3711,7 @@
           <a:p>
             <a:fld id="{7E8D12A6-918A-48BD-8CB9-CA713993B0EA}" type="datetime1">
               <a:rPr lang="en-US" smtClean="0"/>
-              <a:t>1/25/2023</a:t>
+              <a:t>1/26/2023</a:t>
             </a:fld>
             <a:endParaRPr lang="en-US" dirty="0"/>
           </a:p>
@@ -3973,7 +3973,7 @@
             <a:fld id="{E778CE86-875F-4587-BCF6-FA054AFC0D53}" type="datetime1">
               <a:rPr lang="en-US" smtClean="0"/>
               <a:pPr/>
-              <a:t>1/25/2023</a:t>
+              <a:t>1/26/2023</a:t>
             </a:fld>
             <a:endParaRPr lang="en-US" dirty="0"/>
           </a:p>
@@ -4489,7 +4489,7 @@
           <a:p>
             <a:fld id="{F6FA2B21-3FCD-4721-B95C-427943F61125}" type="datetime1">
               <a:rPr lang="en-US" smtClean="0"/>
-              <a:t>1/25/2023</a:t>
+              <a:t>1/26/2023</a:t>
             </a:fld>
             <a:endParaRPr lang="en-US" dirty="0"/>
           </a:p>
@@ -6141,7 +6141,9 @@
             </a:r>
           </a:p>
           <a:p>
-            <a:pPr lvl="1"/>
+            <a:pPr marL="274320" lvl="1" indent="0">
+              <a:buNone/>
+            </a:pPr>
             <a:endParaRPr lang="en-US" dirty="0"/>
           </a:p>
           <a:p>
@@ -6382,70 +6384,6 @@
           <a:chExt cx="0" cy="0"/>
         </a:xfrm>
       </p:grpSpPr>
-      <p:pic>
-        <p:nvPicPr>
-          <p:cNvPr id="3" name="Picture 2">
-            <a:extLst>
-              <a:ext uri="{FF2B5EF4-FFF2-40B4-BE49-F238E27FC236}">
-                <a16:creationId xmlns:a16="http://schemas.microsoft.com/office/drawing/2014/main" id="{88C8FC80-DE6E-F2E5-2AF9-7FC88AC41D6F}"/>
-              </a:ext>
-            </a:extLst>
-          </p:cNvPr>
-          <p:cNvPicPr>
-            <a:picLocks/>
-          </p:cNvPicPr>
-          <p:nvPr>
-            <p:custDataLst>
-              <p:tags r:id="rId1"/>
-            </p:custDataLst>
-          </p:nvPr>
-        </p:nvPicPr>
-        <p:blipFill>
-          <a:blip r:embed="rId4"/>
-          <a:stretch>
-            <a:fillRect/>
-          </a:stretch>
-        </p:blipFill>
-        <p:spPr>
-          <a:xfrm>
-            <a:off x="190500" y="190500"/>
-            <a:ext cx="11811000" cy="6477000"/>
-          </a:xfrm>
-          <a:prstGeom prst="rect">
-            <a:avLst/>
-          </a:prstGeom>
-        </p:spPr>
-      </p:pic>
-    </p:spTree>
-    <p:extLst>
-      <p:ext uri="{BB962C8B-B14F-4D97-AF65-F5344CB8AC3E}">
-        <p14:creationId xmlns:p14="http://schemas.microsoft.com/office/powerpoint/2010/main" val="909970125"/>
-      </p:ext>
-    </p:extLst>
-  </p:cSld>
-  <p:clrMapOvr>
-    <a:masterClrMapping/>
-  </p:clrMapOvr>
-</p:sld>
-</file>
-
-<file path=ppt/slides/slide19.xml><?xml version="1.0" encoding="utf-8"?>
-<p:sld xmlns:a="http://schemas.openxmlformats.org/drawingml/2006/main" xmlns:r="http://schemas.openxmlformats.org/officeDocument/2006/relationships" xmlns:p="http://schemas.openxmlformats.org/presentationml/2006/main">
-  <p:cSld>
-    <p:spTree>
-      <p:nvGrpSpPr>
-        <p:cNvPr id="1" name=""/>
-        <p:cNvGrpSpPr/>
-        <p:nvPr/>
-      </p:nvGrpSpPr>
-      <p:grpSpPr>
-        <a:xfrm>
-          <a:off x="0" y="0"/>
-          <a:ext cx="0" cy="0"/>
-          <a:chOff x="0" y="0"/>
-          <a:chExt cx="0" cy="0"/>
-        </a:xfrm>
-      </p:grpSpPr>
       <p:sp>
         <p:nvSpPr>
           <p:cNvPr id="2" name="Title 1">
@@ -6538,6 +6476,70 @@
     <p:extLst>
       <p:ext uri="{BB962C8B-B14F-4D97-AF65-F5344CB8AC3E}">
         <p14:creationId xmlns:p14="http://schemas.microsoft.com/office/powerpoint/2010/main" val="3926783095"/>
+      </p:ext>
+    </p:extLst>
+  </p:cSld>
+  <p:clrMapOvr>
+    <a:masterClrMapping/>
+  </p:clrMapOvr>
+</p:sld>
+</file>
+
+<file path=ppt/slides/slide19.xml><?xml version="1.0" encoding="utf-8"?>
+<p:sld xmlns:a="http://schemas.openxmlformats.org/drawingml/2006/main" xmlns:r="http://schemas.openxmlformats.org/officeDocument/2006/relationships" xmlns:p="http://schemas.openxmlformats.org/presentationml/2006/main">
+  <p:cSld>
+    <p:spTree>
+      <p:nvGrpSpPr>
+        <p:cNvPr id="1" name=""/>
+        <p:cNvGrpSpPr/>
+        <p:nvPr/>
+      </p:nvGrpSpPr>
+      <p:grpSpPr>
+        <a:xfrm>
+          <a:off x="0" y="0"/>
+          <a:ext cx="0" cy="0"/>
+          <a:chOff x="0" y="0"/>
+          <a:chExt cx="0" cy="0"/>
+        </a:xfrm>
+      </p:grpSpPr>
+      <p:pic>
+        <p:nvPicPr>
+          <p:cNvPr id="3" name="Picture 2">
+            <a:extLst>
+              <a:ext uri="{FF2B5EF4-FFF2-40B4-BE49-F238E27FC236}">
+                <a16:creationId xmlns:a16="http://schemas.microsoft.com/office/drawing/2014/main" id="{88C8FC80-DE6E-F2E5-2AF9-7FC88AC41D6F}"/>
+              </a:ext>
+            </a:extLst>
+          </p:cNvPr>
+          <p:cNvPicPr>
+            <a:picLocks/>
+          </p:cNvPicPr>
+          <p:nvPr>
+            <p:custDataLst>
+              <p:tags r:id="rId1"/>
+            </p:custDataLst>
+          </p:nvPr>
+        </p:nvPicPr>
+        <p:blipFill>
+          <a:blip r:embed="rId4"/>
+          <a:stretch>
+            <a:fillRect/>
+          </a:stretch>
+        </p:blipFill>
+        <p:spPr>
+          <a:xfrm>
+            <a:off x="190500" y="190500"/>
+            <a:ext cx="11811000" cy="6477000"/>
+          </a:xfrm>
+          <a:prstGeom prst="rect">
+            <a:avLst/>
+          </a:prstGeom>
+        </p:spPr>
+      </p:pic>
+    </p:spTree>
+    <p:extLst>
+      <p:ext uri="{BB962C8B-B14F-4D97-AF65-F5344CB8AC3E}">
+        <p14:creationId xmlns:p14="http://schemas.microsoft.com/office/powerpoint/2010/main" val="909970125"/>
       </p:ext>
     </p:extLst>
   </p:cSld>
@@ -8417,7 +8419,7 @@
         </p:spPr>
         <p:txBody>
           <a:bodyPr>
-            <a:normAutofit/>
+            <a:normAutofit lnSpcReduction="10000"/>
           </a:bodyPr>
           <a:lstStyle/>
           <a:p>
@@ -8441,7 +8443,7 @@
                 <a:latin typeface="Times New Roman" panose="02020603050405020304" pitchFamily="18" charset="0"/>
                 <a:ea typeface="Calibri" panose="020F0502020204030204" pitchFamily="34" charset="0"/>
               </a:rPr>
-              <a:t>Mondays: 2-3, Wednesdays 11-12, Thursdays 4:15-5:15</a:t>
+              <a:t>Mondays: 2-3, Wednesdays 11-12 (Mondays and Wednesdays appointment slots), Thursdays 4:15-5:15</a:t>
             </a:r>
             <a:endParaRPr lang="en-US" sz="1500" dirty="0">
               <a:solidFill>
@@ -8722,7 +8724,14 @@
             <a:pPr lvl="1"/>
             <a:r>
               <a:rPr lang="en-US" dirty="0"/>
-              <a:t>If you can’t make it to class, email me and post something on slack. </a:t>
+              <a:t>If you can’t make it to class, email post something on slack. </a:t>
+            </a:r>
+          </a:p>
+          <a:p>
+            <a:pPr lvl="1"/>
+            <a:r>
+              <a:rPr lang="en-US" dirty="0"/>
+              <a:t>1 “free” absence, no need to contact </a:t>
             </a:r>
           </a:p>
           <a:p>
@@ -8739,13 +8748,6 @@
             <a:r>
               <a:rPr lang="en-US" dirty="0"/>
               <a:t>I’m trying to be as flexible as possible, extending the same to you</a:t>
-            </a:r>
-          </a:p>
-          <a:p>
-            <a:pPr lvl="2"/>
-            <a:r>
-              <a:rPr lang="en-US" dirty="0"/>
-              <a:t>In person attendance expected, but if you are feeling sick, close exposure, watch recording and get notes from a friend</a:t>
             </a:r>
           </a:p>
         </p:txBody>

--- a/lectures/welcome.pptx
+++ b/lectures/welcome.pptx
@@ -5270,9 +5270,12 @@
           <a:lstStyle/>
           <a:p>
             <a:r>
-              <a:rPr lang="en-US" dirty="0"/>
+              <a:rPr lang="en-US" dirty="0">
+                <a:hlinkClick r:id="rId3"/>
+              </a:rPr>
               <a:t>Syllabus Walkthrough</a:t>
             </a:r>
+            <a:endParaRPr lang="en-US" dirty="0"/>
           </a:p>
         </p:txBody>
       </p:sp>
@@ -5377,7 +5380,7 @@
           <a:p>
             <a:r>
               <a:rPr lang="en-US" dirty="0"/>
-              <a:t>Periodic R workshops to build programming skills</a:t>
+              <a:t>Periodic R labs to build programming skills</a:t>
             </a:r>
           </a:p>
           <a:p>
@@ -9346,21 +9349,21 @@
 </file>
 
 <file path=customXml/item1.xml><?xml version="1.0" encoding="utf-8"?>
+<?mso-contentType ?>
+<FormTemplates xmlns="http://schemas.microsoft.com/sharepoint/v3/contenttype/forms">
+  <Display>DocumentLibraryForm</Display>
+  <Edit>DocumentLibraryForm</Edit>
+  <New>DocumentLibraryForm</New>
+</FormTemplates>
+</file>
+
+<file path=customXml/item2.xml><?xml version="1.0" encoding="utf-8"?>
 <p:properties xmlns:p="http://schemas.microsoft.com/office/2006/metadata/properties" xmlns:xsi="http://www.w3.org/2001/XMLSchema-instance" xmlns:pc="http://schemas.microsoft.com/office/infopath/2007/PartnerControls">
   <documentManagement>
     <Status xmlns="71af3243-3dd4-4a8d-8c0d-dd76da1f02a5">Not started</Status>
     <MediaServiceKeyPoints xmlns="71af3243-3dd4-4a8d-8c0d-dd76da1f02a5" xsi:nil="true"/>
   </documentManagement>
 </p:properties>
-</file>
-
-<file path=customXml/item2.xml><?xml version="1.0" encoding="utf-8"?>
-<?mso-contentType ?>
-<FormTemplates xmlns="http://schemas.microsoft.com/sharepoint/v3/contenttype/forms">
-  <Display>DocumentLibraryForm</Display>
-  <Edit>DocumentLibraryForm</Edit>
-  <New>DocumentLibraryForm</New>
-</FormTemplates>
 </file>
 
 <file path=customXml/item3.xml><?xml version="1.0" encoding="utf-8"?>
@@ -9585,6 +9588,14 @@
 </file>
 
 <file path=customXml/itemProps1.xml><?xml version="1.0" encoding="utf-8"?>
+<ds:datastoreItem xmlns:ds="http://schemas.openxmlformats.org/officeDocument/2006/customXml" ds:itemID="{659927E4-E194-47BE-91C2-B87D50CF51DB}">
+  <ds:schemaRefs>
+    <ds:schemaRef ds:uri="http://schemas.microsoft.com/sharepoint/v3/contenttype/forms"/>
+  </ds:schemaRefs>
+</ds:datastoreItem>
+</file>
+
+<file path=customXml/itemProps2.xml><?xml version="1.0" encoding="utf-8"?>
 <ds:datastoreItem xmlns:ds="http://schemas.openxmlformats.org/officeDocument/2006/customXml" ds:itemID="{0E92E9E5-79AF-4029-8FCA-9C327D54FD8F}">
   <ds:schemaRefs>
     <ds:schemaRef ds:uri="71af3243-3dd4-4a8d-8c0d-dd76da1f02a5"/>
@@ -9597,14 +9608,6 @@
     <ds:schemaRef ds:uri="http://www.w3.org/XML/1998/namespace"/>
     <ds:schemaRef ds:uri="http://schemas.microsoft.com/office/infopath/2007/PartnerControls"/>
     <ds:schemaRef ds:uri="http://schemas.openxmlformats.org/package/2006/metadata/core-properties"/>
-  </ds:schemaRefs>
-</ds:datastoreItem>
-</file>
-
-<file path=customXml/itemProps2.xml><?xml version="1.0" encoding="utf-8"?>
-<ds:datastoreItem xmlns:ds="http://schemas.openxmlformats.org/officeDocument/2006/customXml" ds:itemID="{659927E4-E194-47BE-91C2-B87D50CF51DB}">
-  <ds:schemaRefs>
-    <ds:schemaRef ds:uri="http://schemas.microsoft.com/sharepoint/v3/contenttype/forms"/>
   </ds:schemaRefs>
 </ds:datastoreItem>
 </file>

--- a/lectures/welcome.pptx
+++ b/lectures/welcome.pptx
@@ -6892,7 +6892,7 @@
           <a:p>
             <a:pPr lvl="2"/>
             <a:r>
-              <a:rPr lang="en-US" sz="1900" dirty="0"/>
+              <a:rPr lang="en-US" sz="1900" b="1" dirty="0"/>
               <a:t>Role of experimentation vs observation </a:t>
             </a:r>
           </a:p>
@@ -9349,21 +9349,21 @@
 </file>
 
 <file path=customXml/item1.xml><?xml version="1.0" encoding="utf-8"?>
+<p:properties xmlns:p="http://schemas.microsoft.com/office/2006/metadata/properties" xmlns:xsi="http://www.w3.org/2001/XMLSchema-instance" xmlns:pc="http://schemas.microsoft.com/office/infopath/2007/PartnerControls">
+  <documentManagement>
+    <Status xmlns="71af3243-3dd4-4a8d-8c0d-dd76da1f02a5">Not started</Status>
+    <MediaServiceKeyPoints xmlns="71af3243-3dd4-4a8d-8c0d-dd76da1f02a5" xsi:nil="true"/>
+  </documentManagement>
+</p:properties>
+</file>
+
+<file path=customXml/item2.xml><?xml version="1.0" encoding="utf-8"?>
 <?mso-contentType ?>
 <FormTemplates xmlns="http://schemas.microsoft.com/sharepoint/v3/contenttype/forms">
   <Display>DocumentLibraryForm</Display>
   <Edit>DocumentLibraryForm</Edit>
   <New>DocumentLibraryForm</New>
 </FormTemplates>
-</file>
-
-<file path=customXml/item2.xml><?xml version="1.0" encoding="utf-8"?>
-<p:properties xmlns:p="http://schemas.microsoft.com/office/2006/metadata/properties" xmlns:xsi="http://www.w3.org/2001/XMLSchema-instance" xmlns:pc="http://schemas.microsoft.com/office/infopath/2007/PartnerControls">
-  <documentManagement>
-    <Status xmlns="71af3243-3dd4-4a8d-8c0d-dd76da1f02a5">Not started</Status>
-    <MediaServiceKeyPoints xmlns="71af3243-3dd4-4a8d-8c0d-dd76da1f02a5" xsi:nil="true"/>
-  </documentManagement>
-</p:properties>
 </file>
 
 <file path=customXml/item3.xml><?xml version="1.0" encoding="utf-8"?>
@@ -9588,14 +9588,6 @@
 </file>
 
 <file path=customXml/itemProps1.xml><?xml version="1.0" encoding="utf-8"?>
-<ds:datastoreItem xmlns:ds="http://schemas.openxmlformats.org/officeDocument/2006/customXml" ds:itemID="{659927E4-E194-47BE-91C2-B87D50CF51DB}">
-  <ds:schemaRefs>
-    <ds:schemaRef ds:uri="http://schemas.microsoft.com/sharepoint/v3/contenttype/forms"/>
-  </ds:schemaRefs>
-</ds:datastoreItem>
-</file>
-
-<file path=customXml/itemProps2.xml><?xml version="1.0" encoding="utf-8"?>
 <ds:datastoreItem xmlns:ds="http://schemas.openxmlformats.org/officeDocument/2006/customXml" ds:itemID="{0E92E9E5-79AF-4029-8FCA-9C327D54FD8F}">
   <ds:schemaRefs>
     <ds:schemaRef ds:uri="71af3243-3dd4-4a8d-8c0d-dd76da1f02a5"/>
@@ -9608,6 +9600,14 @@
     <ds:schemaRef ds:uri="http://www.w3.org/XML/1998/namespace"/>
     <ds:schemaRef ds:uri="http://schemas.microsoft.com/office/infopath/2007/PartnerControls"/>
     <ds:schemaRef ds:uri="http://schemas.openxmlformats.org/package/2006/metadata/core-properties"/>
+  </ds:schemaRefs>
+</ds:datastoreItem>
+</file>
+
+<file path=customXml/itemProps2.xml><?xml version="1.0" encoding="utf-8"?>
+<ds:datastoreItem xmlns:ds="http://schemas.openxmlformats.org/officeDocument/2006/customXml" ds:itemID="{659927E4-E194-47BE-91C2-B87D50CF51DB}">
+  <ds:schemaRefs>
+    <ds:schemaRef ds:uri="http://schemas.microsoft.com/sharepoint/v3/contenttype/forms"/>
   </ds:schemaRefs>
 </ds:datastoreItem>
 </file>
